--- a/Презентация.pptx
+++ b/Презентация.pptx
@@ -268,7 +268,7 @@
           <a:p>
             <a:fld id="{FA99942A-D9E2-4562-9020-B25855B812C7}" type="datetimeFigureOut">
               <a:rPr lang="ru-RU" smtClean="0"/>
-              <a:t>08.12.2025</a:t>
+              <a:t>09.12.2025</a:t>
             </a:fld>
             <a:endParaRPr lang="ru-RU"/>
           </a:p>
@@ -438,7 +438,7 @@
           <a:p>
             <a:fld id="{FA99942A-D9E2-4562-9020-B25855B812C7}" type="datetimeFigureOut">
               <a:rPr lang="ru-RU" smtClean="0"/>
-              <a:t>08.12.2025</a:t>
+              <a:t>09.12.2025</a:t>
             </a:fld>
             <a:endParaRPr lang="ru-RU"/>
           </a:p>
@@ -618,7 +618,7 @@
           <a:p>
             <a:fld id="{FA99942A-D9E2-4562-9020-B25855B812C7}" type="datetimeFigureOut">
               <a:rPr lang="ru-RU" smtClean="0"/>
-              <a:t>08.12.2025</a:t>
+              <a:t>09.12.2025</a:t>
             </a:fld>
             <a:endParaRPr lang="ru-RU"/>
           </a:p>
@@ -788,7 +788,7 @@
           <a:p>
             <a:fld id="{FA99942A-D9E2-4562-9020-B25855B812C7}" type="datetimeFigureOut">
               <a:rPr lang="ru-RU" smtClean="0"/>
-              <a:t>08.12.2025</a:t>
+              <a:t>09.12.2025</a:t>
             </a:fld>
             <a:endParaRPr lang="ru-RU"/>
           </a:p>
@@ -1034,7 +1034,7 @@
           <a:p>
             <a:fld id="{FA99942A-D9E2-4562-9020-B25855B812C7}" type="datetimeFigureOut">
               <a:rPr lang="ru-RU" smtClean="0"/>
-              <a:t>08.12.2025</a:t>
+              <a:t>09.12.2025</a:t>
             </a:fld>
             <a:endParaRPr lang="ru-RU"/>
           </a:p>
@@ -1266,7 +1266,7 @@
           <a:p>
             <a:fld id="{FA99942A-D9E2-4562-9020-B25855B812C7}" type="datetimeFigureOut">
               <a:rPr lang="ru-RU" smtClean="0"/>
-              <a:t>08.12.2025</a:t>
+              <a:t>09.12.2025</a:t>
             </a:fld>
             <a:endParaRPr lang="ru-RU"/>
           </a:p>
@@ -1633,7 +1633,7 @@
           <a:p>
             <a:fld id="{FA99942A-D9E2-4562-9020-B25855B812C7}" type="datetimeFigureOut">
               <a:rPr lang="ru-RU" smtClean="0"/>
-              <a:t>08.12.2025</a:t>
+              <a:t>09.12.2025</a:t>
             </a:fld>
             <a:endParaRPr lang="ru-RU"/>
           </a:p>
@@ -1751,7 +1751,7 @@
           <a:p>
             <a:fld id="{FA99942A-D9E2-4562-9020-B25855B812C7}" type="datetimeFigureOut">
               <a:rPr lang="ru-RU" smtClean="0"/>
-              <a:t>08.12.2025</a:t>
+              <a:t>09.12.2025</a:t>
             </a:fld>
             <a:endParaRPr lang="ru-RU"/>
           </a:p>
@@ -1846,7 +1846,7 @@
           <a:p>
             <a:fld id="{FA99942A-D9E2-4562-9020-B25855B812C7}" type="datetimeFigureOut">
               <a:rPr lang="ru-RU" smtClean="0"/>
-              <a:t>08.12.2025</a:t>
+              <a:t>09.12.2025</a:t>
             </a:fld>
             <a:endParaRPr lang="ru-RU"/>
           </a:p>
@@ -2123,7 +2123,7 @@
           <a:p>
             <a:fld id="{FA99942A-D9E2-4562-9020-B25855B812C7}" type="datetimeFigureOut">
               <a:rPr lang="ru-RU" smtClean="0"/>
-              <a:t>08.12.2025</a:t>
+              <a:t>09.12.2025</a:t>
             </a:fld>
             <a:endParaRPr lang="ru-RU"/>
           </a:p>
@@ -2376,7 +2376,7 @@
           <a:p>
             <a:fld id="{FA99942A-D9E2-4562-9020-B25855B812C7}" type="datetimeFigureOut">
               <a:rPr lang="ru-RU" smtClean="0"/>
-              <a:t>08.12.2025</a:t>
+              <a:t>09.12.2025</a:t>
             </a:fld>
             <a:endParaRPr lang="ru-RU"/>
           </a:p>
@@ -2592,7 +2592,7 @@
           <a:p>
             <a:fld id="{FA99942A-D9E2-4562-9020-B25855B812C7}" type="datetimeFigureOut">
               <a:rPr lang="ru-RU" smtClean="0"/>
-              <a:t>08.12.2025</a:t>
+              <a:t>09.12.2025</a:t>
             </a:fld>
             <a:endParaRPr lang="ru-RU"/>
           </a:p>
@@ -5587,19 +5587,11 @@
             </a:r>
             <a:r>
               <a:rPr lang="ru-RU" dirty="0"/>
-              <a:t> </a:t>
-            </a:r>
-            <a:r>
-              <a:rPr lang="ru-RU" dirty="0"/>
-              <a:t> </a:t>
+              <a:t>  </a:t>
             </a:r>
             <a:r>
               <a:rPr lang="ru-RU" dirty="0" smtClean="0"/>
-              <a:t>                          </a:t>
-            </a:r>
-            <a:r>
-              <a:rPr lang="ru-RU" dirty="0" smtClean="0"/>
-              <a:t>для </a:t>
+              <a:t>                          для </a:t>
             </a:r>
             <a:r>
               <a:rPr lang="ru-RU" dirty="0"/>
@@ -7359,7 +7351,7 @@
         <p:spPr>
           <a:xfrm>
             <a:off x="1909519" y="2060574"/>
-            <a:ext cx="2520000" cy="2735545"/>
+            <a:ext cx="2520000" cy="2978151"/>
           </a:xfrm>
           <a:prstGeom prst="roundRect">
             <a:avLst/>
@@ -7440,7 +7432,7 @@
         <p:spPr>
           <a:xfrm>
             <a:off x="4836000" y="2060575"/>
-            <a:ext cx="2520000" cy="2735544"/>
+            <a:ext cx="2520000" cy="2978150"/>
           </a:xfrm>
           <a:prstGeom prst="roundRect">
             <a:avLst/>
@@ -7686,7 +7678,7 @@
         <p:spPr>
           <a:xfrm>
             <a:off x="7762481" y="2060575"/>
-            <a:ext cx="2520000" cy="2735544"/>
+            <a:ext cx="2520000" cy="2978150"/>
           </a:xfrm>
           <a:prstGeom prst="roundRect">
             <a:avLst/>
@@ -7920,80 +7912,6 @@
               <a:t>Frontend</a:t>
             </a:r>
             <a:endParaRPr lang="ru-RU" sz="2400" dirty="0" smtClean="0"/>
-          </a:p>
-        </p:txBody>
-      </p:sp>
-      <p:sp>
-        <p:nvSpPr>
-          <p:cNvPr id="5" name="TextBox 4"/>
-          <p:cNvSpPr txBox="1"/>
-          <p:nvPr/>
-        </p:nvSpPr>
-        <p:spPr>
-          <a:xfrm>
-            <a:off x="1934453" y="3702568"/>
-            <a:ext cx="2503377" cy="400110"/>
-          </a:xfrm>
-          <a:prstGeom prst="rect">
-            <a:avLst/>
-          </a:prstGeom>
-          <a:noFill/>
-        </p:spPr>
-        <p:txBody>
-          <a:bodyPr wrap="square" rtlCol="0">
-            <a:spAutoFit/>
-          </a:bodyPr>
-          <a:lstStyle/>
-          <a:p>
-            <a:pPr algn="ctr"/>
-            <a:r>
-              <a:rPr lang="en-US" dirty="0" smtClean="0"/>
-              <a:t>Microsoft SQL </a:t>
-            </a:r>
-            <a:r>
-              <a:rPr lang="en-US" sz="2000" dirty="0" smtClean="0"/>
-              <a:t>Server</a:t>
-            </a:r>
-            <a:endParaRPr lang="ru-RU" dirty="0"/>
-          </a:p>
-        </p:txBody>
-      </p:sp>
-      <p:sp>
-        <p:nvSpPr>
-          <p:cNvPr id="25" name="TextBox 24"/>
-          <p:cNvSpPr txBox="1"/>
-          <p:nvPr/>
-        </p:nvSpPr>
-        <p:spPr>
-          <a:xfrm>
-            <a:off x="1926142" y="4118857"/>
-            <a:ext cx="2520001" cy="677108"/>
-          </a:xfrm>
-          <a:prstGeom prst="rect">
-            <a:avLst/>
-          </a:prstGeom>
-          <a:noFill/>
-        </p:spPr>
-        <p:txBody>
-          <a:bodyPr wrap="square" rtlCol="0">
-            <a:spAutoFit/>
-          </a:bodyPr>
-          <a:lstStyle/>
-          <a:p>
-            <a:pPr algn="ctr"/>
-            <a:r>
-              <a:rPr lang="en-US" dirty="0" smtClean="0"/>
-              <a:t>SQL </a:t>
-            </a:r>
-            <a:r>
-              <a:rPr lang="en-US" sz="2000" dirty="0" smtClean="0"/>
-              <a:t>Server</a:t>
-            </a:r>
-            <a:r>
-              <a:rPr lang="en-US" dirty="0" smtClean="0"/>
-              <a:t> Manager Studio 2022</a:t>
-            </a:r>
-            <a:endParaRPr lang="ru-RU" dirty="0"/>
           </a:p>
         </p:txBody>
       </p:sp>
@@ -8062,7 +7980,7 @@
           <a:blip r:embed="rId3">
             <a:extLst>
               <a:ext uri="{96DAC541-7B7A-43D3-8B79-37D633B846F1}">
-                <asvg:svgBlip xmlns:asvg="http://schemas.microsoft.com/office/drawing/2016/SVG/main" xmlns="" r:embed="rId16"/>
+                <asvg:svgBlip xmlns="" xmlns:asvg="http://schemas.microsoft.com/office/drawing/2016/SVG/main" r:embed="rId16"/>
               </a:ext>
             </a:extLst>
           </a:blip>
@@ -8176,7 +8094,7 @@
           <a:blip r:embed="rId3">
             <a:extLst>
               <a:ext uri="{96DAC541-7B7A-43D3-8B79-37D633B846F1}">
-                <asvg:svgBlip xmlns:asvg="http://schemas.microsoft.com/office/drawing/2016/SVG/main" xmlns="" r:embed="rId16"/>
+                <asvg:svgBlip xmlns="" xmlns:asvg="http://schemas.microsoft.com/office/drawing/2016/SVG/main" r:embed="rId16"/>
               </a:ext>
             </a:extLst>
           </a:blip>
@@ -8195,231 +8113,16 @@
           </a:prstGeom>
         </p:spPr>
       </p:pic>
-      <p:sp>
-        <p:nvSpPr>
-          <p:cNvPr id="34" name="Овал 33"/>
-          <p:cNvSpPr/>
-          <p:nvPr/>
-        </p:nvSpPr>
-        <p:spPr>
-          <a:xfrm>
-            <a:off x="6202896" y="3678392"/>
-            <a:ext cx="900000" cy="900000"/>
-          </a:xfrm>
-          <a:prstGeom prst="ellipse">
-            <a:avLst/>
-          </a:prstGeom>
-          <a:solidFill>
-            <a:srgbClr val="7030A0"/>
-          </a:solidFill>
-          <a:ln>
-            <a:solidFill>
-              <a:schemeClr val="tx1"/>
-            </a:solidFill>
-          </a:ln>
-        </p:spPr>
-        <p:style>
-          <a:lnRef idx="2">
-            <a:schemeClr val="accent1">
-              <a:shade val="50000"/>
-            </a:schemeClr>
-          </a:lnRef>
-          <a:fillRef idx="1">
-            <a:schemeClr val="accent1"/>
-          </a:fillRef>
-          <a:effectRef idx="0">
-            <a:schemeClr val="accent1"/>
-          </a:effectRef>
-          <a:fontRef idx="minor">
-            <a:schemeClr val="lt1"/>
-          </a:fontRef>
-        </p:style>
-        <p:txBody>
-          <a:bodyPr rtlCol="0" anchor="ctr"/>
-          <a:lstStyle/>
-          <a:p>
-            <a:pPr algn="ctr"/>
-            <a:r>
-              <a:rPr lang="en-US" dirty="0" smtClean="0"/>
-              <a:t>EF</a:t>
-            </a:r>
-          </a:p>
-          <a:p>
-            <a:pPr algn="ctr"/>
-            <a:r>
-              <a:rPr lang="en-US" dirty="0" smtClean="0"/>
-              <a:t>Core</a:t>
-            </a:r>
-            <a:endParaRPr lang="ru-RU" dirty="0"/>
-          </a:p>
-        </p:txBody>
-      </p:sp>
-      <p:sp>
-        <p:nvSpPr>
-          <p:cNvPr id="36" name="Овал 35"/>
-          <p:cNvSpPr/>
-          <p:nvPr/>
-        </p:nvSpPr>
-        <p:spPr>
-          <a:xfrm>
-            <a:off x="8572481" y="3702568"/>
-            <a:ext cx="900000" cy="900000"/>
-          </a:xfrm>
-          <a:prstGeom prst="ellipse">
-            <a:avLst/>
-          </a:prstGeom>
-          <a:solidFill>
-            <a:srgbClr val="7030A0"/>
-          </a:solidFill>
-          <a:ln>
-            <a:solidFill>
-              <a:schemeClr val="tx1"/>
-            </a:solidFill>
-          </a:ln>
-        </p:spPr>
-        <p:style>
-          <a:lnRef idx="2">
-            <a:schemeClr val="accent1">
-              <a:shade val="50000"/>
-            </a:schemeClr>
-          </a:lnRef>
-          <a:fillRef idx="1">
-            <a:schemeClr val="accent1"/>
-          </a:fillRef>
-          <a:effectRef idx="0">
-            <a:schemeClr val="accent1"/>
-          </a:effectRef>
-          <a:fontRef idx="minor">
-            <a:schemeClr val="lt1"/>
-          </a:fontRef>
-        </p:style>
-        <p:txBody>
-          <a:bodyPr rtlCol="0" anchor="ctr"/>
-          <a:lstStyle/>
-          <a:p>
-            <a:pPr algn="ctr"/>
-            <a:r>
-              <a:rPr lang="en-US" dirty="0" smtClean="0"/>
-              <a:t>WPF</a:t>
-            </a:r>
-            <a:endParaRPr lang="ru-RU" dirty="0"/>
-          </a:p>
-        </p:txBody>
-      </p:sp>
-      <p:sp>
-        <p:nvSpPr>
-          <p:cNvPr id="37" name="Овал 36"/>
-          <p:cNvSpPr/>
-          <p:nvPr/>
-        </p:nvSpPr>
-        <p:spPr>
-          <a:xfrm>
-            <a:off x="5030020" y="3669443"/>
-            <a:ext cx="900000" cy="900000"/>
-          </a:xfrm>
-          <a:prstGeom prst="ellipse">
-            <a:avLst/>
-          </a:prstGeom>
-          <a:solidFill>
-            <a:srgbClr val="7030A0"/>
-          </a:solidFill>
-          <a:ln>
-            <a:solidFill>
-              <a:schemeClr val="tx1"/>
-            </a:solidFill>
-          </a:ln>
-        </p:spPr>
-        <p:style>
-          <a:lnRef idx="2">
-            <a:schemeClr val="accent1">
-              <a:shade val="50000"/>
-            </a:schemeClr>
-          </a:lnRef>
-          <a:fillRef idx="1">
-            <a:schemeClr val="accent1"/>
-          </a:fillRef>
-          <a:effectRef idx="0">
-            <a:schemeClr val="accent1"/>
-          </a:effectRef>
-          <a:fontRef idx="minor">
-            <a:schemeClr val="lt1"/>
-          </a:fontRef>
-        </p:style>
-        <p:txBody>
-          <a:bodyPr rtlCol="0" anchor="ctr"/>
-          <a:lstStyle/>
-          <a:p>
-            <a:pPr algn="ctr"/>
-            <a:r>
-              <a:rPr lang="ru-RU" dirty="0" smtClean="0"/>
-              <a:t>.</a:t>
-            </a:r>
-            <a:r>
-              <a:rPr lang="en-US" dirty="0" smtClean="0"/>
-              <a:t>NET</a:t>
-            </a:r>
-            <a:endParaRPr lang="ru-RU" dirty="0"/>
-          </a:p>
-        </p:txBody>
-      </p:sp>
-      <p:sp>
-        <p:nvSpPr>
-          <p:cNvPr id="40" name="Овал 39"/>
-          <p:cNvSpPr/>
-          <p:nvPr/>
-        </p:nvSpPr>
-        <p:spPr>
-          <a:xfrm>
-            <a:off x="2541790" y="2547036"/>
-            <a:ext cx="1080000" cy="1080000"/>
-          </a:xfrm>
-          <a:prstGeom prst="ellipse">
-            <a:avLst/>
-          </a:prstGeom>
-          <a:solidFill>
-            <a:schemeClr val="bg1"/>
-          </a:solidFill>
-          <a:ln>
-            <a:solidFill>
-              <a:schemeClr val="tx1"/>
-            </a:solidFill>
-          </a:ln>
-        </p:spPr>
-        <p:style>
-          <a:lnRef idx="2">
-            <a:schemeClr val="accent1">
-              <a:shade val="50000"/>
-            </a:schemeClr>
-          </a:lnRef>
-          <a:fillRef idx="1">
-            <a:schemeClr val="accent1"/>
-          </a:fillRef>
-          <a:effectRef idx="0">
-            <a:schemeClr val="accent1"/>
-          </a:effectRef>
-          <a:fontRef idx="minor">
-            <a:schemeClr val="lt1"/>
-          </a:fontRef>
-        </p:style>
-        <p:txBody>
-          <a:bodyPr rtlCol="0" anchor="ctr"/>
-          <a:lstStyle/>
-          <a:p>
-            <a:pPr algn="ctr"/>
-            <a:endParaRPr lang="ru-RU" dirty="0"/>
-          </a:p>
-        </p:txBody>
-      </p:sp>
       <p:pic>
         <p:nvPicPr>
-          <p:cNvPr id="39" name="Рисунок 38"/>
+          <p:cNvPr id="3" name="Рисунок 2"/>
           <p:cNvPicPr>
             <a:picLocks noChangeAspect="1"/>
           </p:cNvPicPr>
           <p:nvPr/>
         </p:nvPicPr>
         <p:blipFill>
-          <a:blip r:embed="rId18">
+          <a:blip r:embed="rId18" cstate="print">
             <a:extLst>
               <a:ext uri="{28A0092B-C50C-407E-A947-70E740481C1C}">
                 <a14:useLocalDpi xmlns:a14="http://schemas.microsoft.com/office/drawing/2010/main" val="0"/>
@@ -8432,13 +8135,132 @@
         </p:blipFill>
         <p:spPr>
           <a:xfrm>
-            <a:off x="2574356" y="2566853"/>
+            <a:off x="4954672" y="3753823"/>
+            <a:ext cx="1080000" cy="1080000"/>
+          </a:xfrm>
+          <a:prstGeom prst="ellipse">
+            <a:avLst/>
+          </a:prstGeom>
+        </p:spPr>
+      </p:pic>
+      <p:pic>
+        <p:nvPicPr>
+          <p:cNvPr id="4" name="Рисунок 3"/>
+          <p:cNvPicPr>
+            <a:picLocks noChangeAspect="1"/>
+          </p:cNvPicPr>
+          <p:nvPr/>
+        </p:nvPicPr>
+        <p:blipFill>
+          <a:blip r:embed="rId19" cstate="print">
+            <a:extLst>
+              <a:ext uri="{28A0092B-C50C-407E-A947-70E740481C1C}">
+                <a14:useLocalDpi xmlns:a14="http://schemas.microsoft.com/office/drawing/2010/main" val="0"/>
+              </a:ext>
+            </a:extLst>
+          </a:blip>
+          <a:stretch>
+            <a:fillRect/>
+          </a:stretch>
+        </p:blipFill>
+        <p:spPr>
+          <a:xfrm>
+            <a:off x="6153343" y="3753823"/>
+            <a:ext cx="1080000" cy="1080000"/>
+          </a:xfrm>
+          <a:prstGeom prst="ellipse">
+            <a:avLst/>
+          </a:prstGeom>
+        </p:spPr>
+      </p:pic>
+      <p:pic>
+        <p:nvPicPr>
+          <p:cNvPr id="13" name="Рисунок 12"/>
+          <p:cNvPicPr>
+            <a:picLocks noChangeAspect="1"/>
+          </p:cNvPicPr>
+          <p:nvPr/>
+        </p:nvPicPr>
+        <p:blipFill>
+          <a:blip r:embed="rId20">
+            <a:extLst>
+              <a:ext uri="{28A0092B-C50C-407E-A947-70E740481C1C}">
+                <a14:useLocalDpi xmlns:a14="http://schemas.microsoft.com/office/drawing/2010/main" val="0"/>
+              </a:ext>
+            </a:extLst>
+          </a:blip>
+          <a:stretch>
+            <a:fillRect/>
+          </a:stretch>
+        </p:blipFill>
+        <p:spPr>
+          <a:xfrm>
+            <a:off x="8482481" y="3770302"/>
             <a:ext cx="1080000" cy="1080000"/>
           </a:xfrm>
           <a:prstGeom prst="rect">
             <a:avLst/>
           </a:prstGeom>
-          <a:noFill/>
+        </p:spPr>
+      </p:pic>
+      <p:pic>
+        <p:nvPicPr>
+          <p:cNvPr id="14" name="Рисунок 13"/>
+          <p:cNvPicPr>
+            <a:picLocks noChangeAspect="1"/>
+          </p:cNvPicPr>
+          <p:nvPr/>
+        </p:nvPicPr>
+        <p:blipFill>
+          <a:blip r:embed="rId21" cstate="print">
+            <a:extLst>
+              <a:ext uri="{28A0092B-C50C-407E-A947-70E740481C1C}">
+                <a14:useLocalDpi xmlns:a14="http://schemas.microsoft.com/office/drawing/2010/main" val="0"/>
+              </a:ext>
+            </a:extLst>
+          </a:blip>
+          <a:stretch>
+            <a:fillRect/>
+          </a:stretch>
+        </p:blipFill>
+        <p:spPr>
+          <a:xfrm>
+            <a:off x="2251660" y="3753823"/>
+            <a:ext cx="1809000" cy="1080000"/>
+          </a:xfrm>
+          <a:prstGeom prst="roundRect">
+            <a:avLst/>
+          </a:prstGeom>
+        </p:spPr>
+      </p:pic>
+      <p:pic>
+        <p:nvPicPr>
+          <p:cNvPr id="15" name="Рисунок 14"/>
+          <p:cNvPicPr>
+            <a:picLocks noChangeAspect="1"/>
+          </p:cNvPicPr>
+          <p:nvPr/>
+        </p:nvPicPr>
+        <p:blipFill>
+          <a:blip r:embed="rId22">
+            <a:extLst>
+              <a:ext uri="{28A0092B-C50C-407E-A947-70E740481C1C}">
+                <a14:useLocalDpi xmlns:a14="http://schemas.microsoft.com/office/drawing/2010/main" val="0"/>
+              </a:ext>
+            </a:extLst>
+          </a:blip>
+          <a:stretch>
+            <a:fillRect/>
+          </a:stretch>
+        </p:blipFill>
+        <p:spPr>
+          <a:xfrm>
+            <a:off x="2616160" y="2547372"/>
+            <a:ext cx="1080000" cy="1080000"/>
+          </a:xfrm>
+          <a:prstGeom prst="roundRect">
+            <a:avLst/>
+          </a:prstGeom>
         </p:spPr>
       </p:pic>
     </p:spTree>
